--- a/Presentations/3.3 Bias correction in SA.pptx
+++ b/Presentations/3.3 Bias correction in SA.pptx
@@ -201,7 +201,7 @@
           <a:p>
             <a:fld id="{82CDFBDA-F2A4-4B44-9954-4627E2F3B4D5}" type="datetimeFigureOut">
               <a:rPr lang="en-GB" smtClean="0"/>
-              <a:t>14/10/2024</a:t>
+              <a:t>17/10/2024</a:t>
             </a:fld>
             <a:endParaRPr lang="en-GB"/>
           </a:p>
@@ -4430,8 +4430,8 @@
           </a:p>
         </p:txBody>
       </p:sp>
-      <mc:AlternateContent xmlns:mc="http://schemas.openxmlformats.org/markup-compatibility/2006">
-        <mc:Choice xmlns:a14="http://schemas.microsoft.com/office/drawing/2010/main" Requires="a14">
+      <mc:AlternateContent xmlns:mc="http://schemas.openxmlformats.org/markup-compatibility/2006" xmlns:a14="http://schemas.microsoft.com/office/drawing/2010/main">
+        <mc:Choice Requires="a14">
           <p:sp>
             <p:nvSpPr>
               <p:cNvPr id="3" name="Espace réservé du contenu 2">
@@ -4936,7 +4936,13 @@
                             <a:rPr lang="en-GB" b="0" i="1" smtClean="0">
                               <a:latin typeface="Cambria Math" panose="02040503050406030204" pitchFamily="18" charset="0"/>
                             </a:rPr>
-                            <m:t>𝑦𝑒𝑎𝑟𝑙𝑦</m:t>
+                            <m:t>𝑦</m:t>
+                          </m:r>
+                          <m:r>
+                            <a:rPr lang="en-GB" b="0" i="1" smtClean="0">
+                              <a:latin typeface="Cambria Math" panose="02040503050406030204" pitchFamily="18" charset="0"/>
+                            </a:rPr>
+                            <m:t>𝑒𝑎𝑟𝑙𝑦</m:t>
                           </m:r>
                         </m:sub>
                         <m:sup/>
@@ -5379,7 +5385,7 @@
             </p:txBody>
           </p:sp>
         </mc:Choice>
-        <mc:Fallback>
+        <mc:Fallback xmlns="">
           <p:sp>
             <p:nvSpPr>
               <p:cNvPr id="3" name="Espace réservé du contenu 2">
@@ -5558,8 +5564,13 @@
           <a:p>
             <a:r>
               <a:rPr lang="en-GB" dirty="0"/>
-              <a:t>Avoid log transformations</a:t>
-            </a:r>
+              <a:t>Avoid log transformations </a:t>
+            </a:r>
+            <a:r>
+              <a:rPr lang="en-GB"/>
+              <a:t>(multiplicative X11)</a:t>
+            </a:r>
+            <a:endParaRPr lang="en-GB" dirty="0"/>
           </a:p>
           <a:p>
             <a:r>
